--- a/chinese/我們愛（讓世界不一樣）.pptx
+++ b/chinese/我們愛（讓世界不一樣）.pptx
@@ -251,7 +251,7 @@
             <a:fld id="{A0773830-C10C-4F3D-9F39-D315B1ECB032}" type="datetimeFigureOut">
               <a:rPr lang="zh-TW" altLang="en-US" smtClean="0"/>
               <a:pPr/>
-              <a:t>2019/2/22</a:t>
+              <a:t>2019/3/1</a:t>
             </a:fld>
             <a:endParaRPr lang="zh-TW" altLang="en-US"/>
           </a:p>
@@ -1122,7 +1122,7 @@
             <a:fld id="{A0773830-C10C-4F3D-9F39-D315B1ECB032}" type="datetimeFigureOut">
               <a:rPr lang="zh-TW" altLang="en-US" smtClean="0"/>
               <a:pPr/>
-              <a:t>2019/2/22</a:t>
+              <a:t>2019/3/1</a:t>
             </a:fld>
             <a:endParaRPr lang="zh-TW" altLang="en-US"/>
           </a:p>
@@ -1299,7 +1299,7 @@
             <a:fld id="{A0773830-C10C-4F3D-9F39-D315B1ECB032}" type="datetimeFigureOut">
               <a:rPr lang="zh-TW" altLang="en-US" smtClean="0"/>
               <a:pPr/>
-              <a:t>2019/2/22</a:t>
+              <a:t>2019/3/1</a:t>
             </a:fld>
             <a:endParaRPr lang="zh-TW" altLang="en-US"/>
           </a:p>
@@ -1471,7 +1471,7 @@
             <a:fld id="{A0773830-C10C-4F3D-9F39-D315B1ECB032}" type="datetimeFigureOut">
               <a:rPr lang="zh-TW" altLang="en-US" smtClean="0"/>
               <a:pPr/>
-              <a:t>2019/2/22</a:t>
+              <a:t>2019/3/1</a:t>
             </a:fld>
             <a:endParaRPr lang="zh-TW" altLang="en-US"/>
           </a:p>
@@ -1683,7 +1683,7 @@
             <a:fld id="{A0773830-C10C-4F3D-9F39-D315B1ECB032}" type="datetimeFigureOut">
               <a:rPr lang="zh-TW" altLang="en-US" smtClean="0"/>
               <a:pPr/>
-              <a:t>2019/2/22</a:t>
+              <a:t>2019/3/1</a:t>
             </a:fld>
             <a:endParaRPr lang="zh-TW" altLang="en-US"/>
           </a:p>
@@ -2499,7 +2499,7 @@
             <a:fld id="{A0773830-C10C-4F3D-9F39-D315B1ECB032}" type="datetimeFigureOut">
               <a:rPr lang="zh-TW" altLang="en-US" smtClean="0"/>
               <a:pPr/>
-              <a:t>2019/2/22</a:t>
+              <a:t>2019/3/1</a:t>
             </a:fld>
             <a:endParaRPr lang="zh-TW" altLang="en-US"/>
           </a:p>
@@ -2737,7 +2737,7 @@
             <a:fld id="{A0773830-C10C-4F3D-9F39-D315B1ECB032}" type="datetimeFigureOut">
               <a:rPr lang="zh-TW" altLang="en-US" smtClean="0"/>
               <a:pPr/>
-              <a:t>2019/2/22</a:t>
+              <a:t>2019/3/1</a:t>
             </a:fld>
             <a:endParaRPr lang="zh-TW" altLang="en-US"/>
           </a:p>
@@ -3062,7 +3062,7 @@
             <a:fld id="{A0773830-C10C-4F3D-9F39-D315B1ECB032}" type="datetimeFigureOut">
               <a:rPr lang="zh-TW" altLang="en-US" smtClean="0"/>
               <a:pPr/>
-              <a:t>2019/2/22</a:t>
+              <a:t>2019/3/1</a:t>
             </a:fld>
             <a:endParaRPr lang="zh-TW" altLang="en-US"/>
           </a:p>
@@ -3154,7 +3154,7 @@
             <a:fld id="{A0773830-C10C-4F3D-9F39-D315B1ECB032}" type="datetimeFigureOut">
               <a:rPr lang="zh-TW" altLang="en-US" smtClean="0"/>
               <a:pPr/>
-              <a:t>2019/2/22</a:t>
+              <a:t>2019/3/1</a:t>
             </a:fld>
             <a:endParaRPr lang="zh-TW" altLang="en-US"/>
           </a:p>
@@ -3673,7 +3673,7 @@
             <a:fld id="{A0773830-C10C-4F3D-9F39-D315B1ECB032}" type="datetimeFigureOut">
               <a:rPr lang="zh-TW" altLang="en-US" smtClean="0"/>
               <a:pPr/>
-              <a:t>2019/2/22</a:t>
+              <a:t>2019/3/1</a:t>
             </a:fld>
             <a:endParaRPr lang="zh-TW" altLang="en-US"/>
           </a:p>
@@ -4186,7 +4186,7 @@
             <a:fld id="{A0773830-C10C-4F3D-9F39-D315B1ECB032}" type="datetimeFigureOut">
               <a:rPr lang="zh-TW" altLang="en-US" smtClean="0"/>
               <a:pPr/>
-              <a:t>2019/2/22</a:t>
+              <a:t>2019/3/1</a:t>
             </a:fld>
             <a:endParaRPr lang="zh-TW" altLang="en-US"/>
           </a:p>
@@ -4433,7 +4433,7 @@
             <a:fld id="{A0773830-C10C-4F3D-9F39-D315B1ECB032}" type="datetimeFigureOut">
               <a:rPr lang="zh-TW" altLang="en-US" smtClean="0"/>
               <a:pPr/>
-              <a:t>2019/2/22</a:t>
+              <a:t>2019/3/1</a:t>
             </a:fld>
             <a:endParaRPr lang="zh-TW" altLang="en-US"/>
           </a:p>
@@ -5118,7 +5118,7 @@
         </p:nvSpPr>
         <p:spPr>
           <a:xfrm>
-            <a:off x="1857356" y="3000372"/>
+            <a:off x="1857356" y="3098069"/>
             <a:ext cx="7286644" cy="830997"/>
           </a:xfrm>
           <a:prstGeom prst="rect">
@@ -5151,7 +5151,7 @@
         </p:nvSpPr>
         <p:spPr>
           <a:xfrm>
-            <a:off x="1785918" y="3857628"/>
+            <a:off x="1785918" y="4334540"/>
             <a:ext cx="7000924" cy="523220"/>
           </a:xfrm>
           <a:prstGeom prst="rect">
@@ -5168,7 +5168,7 @@
             <a:r>
               <a:rPr lang="en-US" sz="2800" b="1" dirty="0" err="1" smtClean="0">
                 <a:solidFill>
-                  <a:schemeClr val="bg1"/>
+                  <a:schemeClr val="accent1"/>
                 </a:solidFill>
                 <a:effectLst>
                   <a:outerShdw blurRad="38100" dist="38100" dir="2700000" algn="tl">
@@ -5185,7 +5185,7 @@
             <a:r>
               <a:rPr lang="en-US" sz="2800" b="1" dirty="0" smtClean="0">
                 <a:solidFill>
-                  <a:schemeClr val="bg1"/>
+                  <a:schemeClr val="accent1"/>
                 </a:solidFill>
                 <a:effectLst>
                   <a:outerShdw blurRad="38100" dist="38100" dir="2700000" algn="tl">
@@ -5197,12 +5197,12 @@
                 <a:latin typeface="+mj-ea"/>
                 <a:ea typeface="+mj-ea"/>
               </a:rPr>
-              <a:t>  men </a:t>
+              <a:t>  </a:t>
             </a:r>
             <a:r>
               <a:rPr lang="en-US" sz="2800" b="1" dirty="0" err="1" smtClean="0">
                 <a:solidFill>
-                  <a:schemeClr val="bg1"/>
+                  <a:schemeClr val="accent1"/>
                 </a:solidFill>
                 <a:effectLst>
                   <a:outerShdw blurRad="38100" dist="38100" dir="2700000" algn="tl">
@@ -5214,12 +5214,22 @@
                 <a:latin typeface="+mj-ea"/>
                 <a:ea typeface="+mj-ea"/>
               </a:rPr>
-              <a:t>ài</a:t>
-            </a:r>
-            <a:r>
-              <a:rPr lang="en-US" sz="2800" b="1" dirty="0" smtClean="0">
+              <a:t>m</a:t>
+            </a:r>
+            <a:r>
+              <a:rPr lang="en-US" sz="2800" b="1" dirty="0" err="1" smtClean="0">
                 <a:solidFill>
-                  <a:schemeClr val="bg1"/>
+                  <a:schemeClr val="accent1"/>
+                </a:solidFill>
+                <a:latin typeface="+mj-ea"/>
+                <a:ea typeface="+mj-ea"/>
+              </a:rPr>
+              <a:t>é</a:t>
+            </a:r>
+            <a:r>
+              <a:rPr lang="en-US" sz="2800" b="1" dirty="0" err="1" smtClean="0">
+                <a:solidFill>
+                  <a:schemeClr val="accent1"/>
                 </a:solidFill>
                 <a:effectLst>
                   <a:outerShdw blurRad="38100" dist="38100" dir="2700000" algn="tl">
@@ -5231,12 +5241,12 @@
                 <a:latin typeface="+mj-ea"/>
                 <a:ea typeface="+mj-ea"/>
               </a:rPr>
-              <a:t>       </a:t>
-            </a:r>
-            <a:r>
-              <a:rPr lang="en-US" sz="2800" b="1" dirty="0" err="1" smtClean="0">
+              <a:t>n</a:t>
+            </a:r>
+            <a:r>
+              <a:rPr lang="en-US" sz="2800" b="1" dirty="0" smtClean="0">
                 <a:solidFill>
-                  <a:schemeClr val="bg1"/>
+                  <a:schemeClr val="accent1"/>
                 </a:solidFill>
                 <a:effectLst>
                   <a:outerShdw blurRad="38100" dist="38100" dir="2700000" algn="tl">
@@ -5248,12 +5258,12 @@
                 <a:latin typeface="+mj-ea"/>
                 <a:ea typeface="+mj-ea"/>
               </a:rPr>
-              <a:t>ràng</a:t>
-            </a:r>
-            <a:r>
-              <a:rPr lang="en-US" sz="2800" b="1" dirty="0" smtClean="0">
+              <a:t> </a:t>
+            </a:r>
+            <a:r>
+              <a:rPr lang="en-US" sz="2800" b="1" dirty="0" err="1" smtClean="0">
                 <a:solidFill>
-                  <a:schemeClr val="bg1"/>
+                  <a:schemeClr val="accent1"/>
                 </a:solidFill>
                 <a:effectLst>
                   <a:outerShdw blurRad="38100" dist="38100" dir="2700000" algn="tl">
@@ -5265,12 +5275,12 @@
                 <a:latin typeface="+mj-ea"/>
                 <a:ea typeface="+mj-ea"/>
               </a:rPr>
-              <a:t> </a:t>
-            </a:r>
-            <a:r>
-              <a:rPr lang="en-US" sz="2800" b="1" dirty="0" err="1" smtClean="0">
+              <a:t>ài</a:t>
+            </a:r>
+            <a:r>
+              <a:rPr lang="en-US" sz="2800" b="1" dirty="0" smtClean="0">
                 <a:solidFill>
-                  <a:schemeClr val="bg1"/>
+                  <a:schemeClr val="accent1"/>
                 </a:solidFill>
                 <a:effectLst>
                   <a:outerShdw blurRad="38100" dist="38100" dir="2700000" algn="tl">
@@ -5282,12 +5292,12 @@
                 <a:latin typeface="+mj-ea"/>
                 <a:ea typeface="+mj-ea"/>
               </a:rPr>
-              <a:t>shì</a:t>
+              <a:t>   </a:t>
             </a:r>
             <a:r>
               <a:rPr lang="en-US" sz="2800" b="1" dirty="0" smtClean="0">
                 <a:solidFill>
-                  <a:schemeClr val="bg1"/>
+                  <a:schemeClr val="accent1"/>
                 </a:solidFill>
                 <a:effectLst>
                   <a:outerShdw blurRad="38100" dist="38100" dir="2700000" algn="tl">
@@ -5304,7 +5314,7 @@
             <a:r>
               <a:rPr lang="en-US" sz="2800" b="1" dirty="0" err="1" smtClean="0">
                 <a:solidFill>
-                  <a:schemeClr val="bg1"/>
+                  <a:schemeClr val="accent1"/>
                 </a:solidFill>
                 <a:effectLst>
                   <a:outerShdw blurRad="38100" dist="38100" dir="2700000" algn="tl">
@@ -5316,12 +5326,12 @@
                 <a:latin typeface="+mj-ea"/>
                 <a:ea typeface="+mj-ea"/>
               </a:rPr>
-              <a:t>jiè</a:t>
+              <a:t>ràng</a:t>
             </a:r>
             <a:r>
               <a:rPr lang="en-US" sz="2800" b="1" dirty="0" smtClean="0">
                 <a:solidFill>
-                  <a:schemeClr val="bg1"/>
+                  <a:schemeClr val="accent1"/>
                 </a:solidFill>
                 <a:effectLst>
                   <a:outerShdw blurRad="38100" dist="38100" dir="2700000" algn="tl">
@@ -5333,12 +5343,12 @@
                 <a:latin typeface="+mj-ea"/>
                 <a:ea typeface="+mj-ea"/>
               </a:rPr>
-              <a:t>  </a:t>
+              <a:t> </a:t>
             </a:r>
             <a:r>
               <a:rPr lang="en-US" sz="2800" b="1" dirty="0" err="1" smtClean="0">
                 <a:solidFill>
-                  <a:schemeClr val="bg1"/>
+                  <a:schemeClr val="accent1"/>
                 </a:solidFill>
                 <a:effectLst>
                   <a:outerShdw blurRad="38100" dist="38100" dir="2700000" algn="tl">
@@ -5350,12 +5360,12 @@
                 <a:latin typeface="+mj-ea"/>
                 <a:ea typeface="+mj-ea"/>
               </a:rPr>
-              <a:t>bù</a:t>
+              <a:t>shì</a:t>
             </a:r>
             <a:r>
               <a:rPr lang="en-US" sz="2800" b="1" dirty="0" smtClean="0">
                 <a:solidFill>
-                  <a:schemeClr val="bg1"/>
+                  <a:schemeClr val="accent1"/>
                 </a:solidFill>
                 <a:effectLst>
                   <a:outerShdw blurRad="38100" dist="38100" dir="2700000" algn="tl">
@@ -5367,12 +5377,12 @@
                 <a:latin typeface="+mj-ea"/>
                 <a:ea typeface="+mj-ea"/>
               </a:rPr>
-              <a:t>   </a:t>
+              <a:t>  </a:t>
             </a:r>
             <a:r>
               <a:rPr lang="en-US" sz="2800" b="1" dirty="0" err="1" smtClean="0">
                 <a:solidFill>
-                  <a:schemeClr val="bg1"/>
+                  <a:schemeClr val="accent1"/>
                 </a:solidFill>
                 <a:effectLst>
                   <a:outerShdw blurRad="38100" dist="38100" dir="2700000" algn="tl">
@@ -5384,12 +5394,12 @@
                 <a:latin typeface="+mj-ea"/>
                 <a:ea typeface="+mj-ea"/>
               </a:rPr>
-              <a:t>yī</a:t>
+              <a:t>jiè</a:t>
             </a:r>
             <a:r>
               <a:rPr lang="en-US" sz="2800" b="1" dirty="0" smtClean="0">
                 <a:solidFill>
-                  <a:schemeClr val="bg1"/>
+                  <a:schemeClr val="accent1"/>
                 </a:solidFill>
                 <a:effectLst>
                   <a:outerShdw blurRad="38100" dist="38100" dir="2700000" algn="tl">
@@ -5401,12 +5411,12 @@
                 <a:latin typeface="+mj-ea"/>
                 <a:ea typeface="+mj-ea"/>
               </a:rPr>
-              <a:t>  </a:t>
+              <a:t> </a:t>
             </a:r>
             <a:r>
               <a:rPr lang="en-US" sz="2800" b="1" dirty="0" err="1" smtClean="0">
                 <a:solidFill>
-                  <a:schemeClr val="bg1"/>
+                  <a:schemeClr val="accent1"/>
                 </a:solidFill>
                 <a:effectLst>
                   <a:outerShdw blurRad="38100" dist="38100" dir="2700000" algn="tl">
@@ -5418,11 +5428,79 @@
                 <a:latin typeface="+mj-ea"/>
                 <a:ea typeface="+mj-ea"/>
               </a:rPr>
+              <a:t>bù</a:t>
+            </a:r>
+            <a:r>
+              <a:rPr lang="en-US" sz="2800" b="1" dirty="0" smtClean="0">
+                <a:solidFill>
+                  <a:schemeClr val="accent1"/>
+                </a:solidFill>
+                <a:effectLst>
+                  <a:outerShdw blurRad="38100" dist="38100" dir="2700000" algn="tl">
+                    <a:srgbClr val="000000">
+                      <a:alpha val="43137"/>
+                    </a:srgbClr>
+                  </a:outerShdw>
+                </a:effectLst>
+                <a:latin typeface="+mj-ea"/>
+                <a:ea typeface="+mj-ea"/>
+              </a:rPr>
+              <a:t>   </a:t>
+            </a:r>
+            <a:r>
+              <a:rPr lang="en-US" sz="2800" b="1" dirty="0" err="1" smtClean="0">
+                <a:solidFill>
+                  <a:schemeClr val="accent1"/>
+                </a:solidFill>
+                <a:effectLst>
+                  <a:outerShdw blurRad="38100" dist="38100" dir="2700000" algn="tl">
+                    <a:srgbClr val="000000">
+                      <a:alpha val="43137"/>
+                    </a:srgbClr>
+                  </a:outerShdw>
+                </a:effectLst>
+                <a:latin typeface="+mj-ea"/>
+                <a:ea typeface="+mj-ea"/>
+              </a:rPr>
+              <a:t>yī</a:t>
+            </a:r>
+            <a:r>
+              <a:rPr lang="en-US" sz="2800" b="1" dirty="0" smtClean="0">
+                <a:solidFill>
+                  <a:schemeClr val="accent1"/>
+                </a:solidFill>
+                <a:effectLst>
+                  <a:outerShdw blurRad="38100" dist="38100" dir="2700000" algn="tl">
+                    <a:srgbClr val="000000">
+                      <a:alpha val="43137"/>
+                    </a:srgbClr>
+                  </a:outerShdw>
+                </a:effectLst>
+                <a:latin typeface="+mj-ea"/>
+                <a:ea typeface="+mj-ea"/>
+              </a:rPr>
+              <a:t>  </a:t>
+            </a:r>
+            <a:r>
+              <a:rPr lang="en-US" sz="2800" b="1" dirty="0" err="1" smtClean="0">
+                <a:solidFill>
+                  <a:schemeClr val="accent1"/>
+                </a:solidFill>
+                <a:effectLst>
+                  <a:outerShdw blurRad="38100" dist="38100" dir="2700000" algn="tl">
+                    <a:srgbClr val="000000">
+                      <a:alpha val="43137"/>
+                    </a:srgbClr>
+                  </a:outerShdw>
+                </a:effectLst>
+                <a:latin typeface="+mj-ea"/>
+                <a:ea typeface="+mj-ea"/>
+              </a:rPr>
               <a:t>yàng</a:t>
             </a:r>
             <a:endParaRPr lang="zh-TW" altLang="en-US" sz="2800" b="1" dirty="0">
               <a:solidFill>
-                <a:schemeClr val="bg1"/>
+                <a:schemeClr val="accent1"/>
               </a:solidFill>
               <a:effectLst>
                 <a:outerShdw blurRad="38100" dist="38100" dir="2700000" algn="tl">
@@ -5548,8 +5626,8 @@
         </p:nvSpPr>
         <p:spPr>
           <a:xfrm>
-            <a:off x="2357422" y="2000240"/>
-            <a:ext cx="6500858" cy="3785652"/>
+            <a:off x="2357422" y="1841242"/>
+            <a:ext cx="6500858" cy="4401205"/>
           </a:xfrm>
           <a:prstGeom prst="rect">
             <a:avLst/>
@@ -5564,7 +5642,7 @@
           <a:p>
             <a:r>
               <a:rPr lang="zh-TW" altLang="en-US" sz="4000" b="1" dirty="0" smtClean="0"/>
-              <a:t>創造  彼此照亮  扶持擁抱</a:t>
+              <a:t>創造  </a:t>
             </a:r>
             <a:endParaRPr lang="en-US" altLang="zh-TW" sz="4000" b="1" dirty="0" smtClean="0"/>
           </a:p>
@@ -5574,7 +5652,25 @@
           <a:p>
             <a:r>
               <a:rPr lang="zh-TW" altLang="en-US" sz="4000" b="1" dirty="0" smtClean="0"/>
-              <a:t>走往  方向</a:t>
+              <a:t>彼此照亮 </a:t>
+            </a:r>
+            <a:r>
+              <a:rPr lang="en-US" altLang="zh-TW" sz="4000" b="1" dirty="0" smtClean="0"/>
+              <a:t>       </a:t>
+            </a:r>
+            <a:r>
+              <a:rPr lang="zh-TW" altLang="en-US" sz="4000" b="1" dirty="0" smtClean="0"/>
+              <a:t>扶持    擁抱</a:t>
+            </a:r>
+            <a:endParaRPr lang="en-US" altLang="zh-TW" sz="4000" b="1" dirty="0" smtClean="0"/>
+          </a:p>
+          <a:p>
+            <a:endParaRPr lang="en-US" altLang="zh-TW" sz="4000" b="1" dirty="0" smtClean="0"/>
+          </a:p>
+          <a:p>
+            <a:r>
+              <a:rPr lang="zh-TW" altLang="en-US" sz="4000" b="1" dirty="0" smtClean="0"/>
+              <a:t>走往       方向</a:t>
             </a:r>
             <a:endParaRPr lang="en-US" altLang="zh-TW" sz="4000" b="1" dirty="0" smtClean="0"/>
           </a:p>
@@ -5586,14 +5682,295 @@
             <a:endParaRPr lang="en-US" altLang="zh-TW" sz="4000" b="1" dirty="0" smtClean="0"/>
           </a:p>
           <a:p>
-            <a:r>
-              <a:rPr lang="zh-TW" altLang="en-US" sz="4000" b="1" dirty="0" smtClean="0"/>
-              <a:t>堅強  獨自  飛翔  原諒  天堂</a:t>
-            </a:r>
-            <a:endParaRPr lang="en-US" altLang="zh-TW" sz="4000" b="1" dirty="0" smtClean="0"/>
-          </a:p>
-          <a:p>
             <a:endParaRPr lang="zh-TW" altLang="en-US" sz="4000" b="1" dirty="0"/>
+          </a:p>
+        </p:txBody>
+      </p:sp>
+      <p:sp>
+        <p:nvSpPr>
+          <p:cNvPr id="6" name="文字方塊 5"/>
+          <p:cNvSpPr txBox="1"/>
+          <p:nvPr/>
+        </p:nvSpPr>
+        <p:spPr>
+          <a:xfrm>
+            <a:off x="2285984" y="2500306"/>
+            <a:ext cx="1928826" cy="369332"/>
+          </a:xfrm>
+          <a:prstGeom prst="rect">
+            <a:avLst/>
+          </a:prstGeom>
+          <a:noFill/>
+        </p:spPr>
+        <p:txBody>
+          <a:bodyPr wrap="square" rtlCol="0">
+            <a:spAutoFit/>
+          </a:bodyPr>
+          <a:lstStyle/>
+          <a:p>
+            <a:r>
+              <a:rPr lang="en-US" b="1" dirty="0" err="1" smtClean="0">
+                <a:latin typeface="+mj-ea"/>
+              </a:rPr>
+              <a:t>chuàng</a:t>
+            </a:r>
+            <a:r>
+              <a:rPr lang="en-US" b="1" dirty="0" smtClean="0">
+                <a:latin typeface="+mj-ea"/>
+              </a:rPr>
+              <a:t>  </a:t>
+            </a:r>
+            <a:r>
+              <a:rPr lang="en-US" b="1" dirty="0" err="1" smtClean="0">
+                <a:latin typeface="+mj-ea"/>
+              </a:rPr>
+              <a:t>zào</a:t>
+            </a:r>
+            <a:endParaRPr lang="zh-TW" altLang="en-US" b="1" dirty="0"/>
+          </a:p>
+        </p:txBody>
+      </p:sp>
+      <p:sp>
+        <p:nvSpPr>
+          <p:cNvPr id="7" name="文字方塊 6"/>
+          <p:cNvSpPr txBox="1"/>
+          <p:nvPr/>
+        </p:nvSpPr>
+        <p:spPr>
+          <a:xfrm>
+            <a:off x="2428860" y="3714752"/>
+            <a:ext cx="2643206" cy="369332"/>
+          </a:xfrm>
+          <a:prstGeom prst="rect">
+            <a:avLst/>
+          </a:prstGeom>
+          <a:noFill/>
+        </p:spPr>
+        <p:txBody>
+          <a:bodyPr wrap="square" rtlCol="0">
+            <a:spAutoFit/>
+          </a:bodyPr>
+          <a:lstStyle/>
+          <a:p>
+            <a:r>
+              <a:rPr lang="en-US" b="1" dirty="0" smtClean="0">
+                <a:latin typeface="+mj-ea"/>
+              </a:rPr>
+              <a:t> </a:t>
+            </a:r>
+            <a:r>
+              <a:rPr lang="en-US" b="1" dirty="0" err="1" smtClean="0">
+                <a:latin typeface="+mj-ea"/>
+              </a:rPr>
+              <a:t>bǐ</a:t>
+            </a:r>
+            <a:r>
+              <a:rPr lang="en-US" b="1" dirty="0" smtClean="0">
+                <a:latin typeface="+mj-ea"/>
+              </a:rPr>
+              <a:t>    </a:t>
+            </a:r>
+            <a:r>
+              <a:rPr lang="en-US" b="1" dirty="0" err="1" smtClean="0">
+                <a:latin typeface="+mj-ea"/>
+              </a:rPr>
+              <a:t>cǐ</a:t>
+            </a:r>
+            <a:r>
+              <a:rPr lang="en-US" b="1" dirty="0" smtClean="0">
+                <a:latin typeface="+mj-ea"/>
+              </a:rPr>
+              <a:t>    </a:t>
+            </a:r>
+            <a:r>
+              <a:rPr lang="en-US" b="1" dirty="0" err="1" smtClean="0">
+                <a:latin typeface="+mj-ea"/>
+              </a:rPr>
+              <a:t>zhào</a:t>
+            </a:r>
+            <a:r>
+              <a:rPr lang="en-US" b="1" dirty="0" smtClean="0">
+                <a:latin typeface="+mj-ea"/>
+              </a:rPr>
+              <a:t> </a:t>
+            </a:r>
+            <a:r>
+              <a:rPr lang="en-US" b="1" dirty="0" err="1" smtClean="0">
+                <a:latin typeface="+mj-ea"/>
+              </a:rPr>
+              <a:t>liàng</a:t>
+            </a:r>
+            <a:endParaRPr lang="zh-TW" altLang="en-US" b="1" dirty="0"/>
+          </a:p>
+        </p:txBody>
+      </p:sp>
+      <p:sp>
+        <p:nvSpPr>
+          <p:cNvPr id="9" name="文字方塊 8"/>
+          <p:cNvSpPr txBox="1"/>
+          <p:nvPr/>
+        </p:nvSpPr>
+        <p:spPr>
+          <a:xfrm>
+            <a:off x="5572132" y="3714752"/>
+            <a:ext cx="3000396" cy="369332"/>
+          </a:xfrm>
+          <a:prstGeom prst="rect">
+            <a:avLst/>
+          </a:prstGeom>
+          <a:noFill/>
+        </p:spPr>
+        <p:txBody>
+          <a:bodyPr wrap="square" rtlCol="0">
+            <a:spAutoFit/>
+          </a:bodyPr>
+          <a:lstStyle/>
+          <a:p>
+            <a:r>
+              <a:rPr lang="en-US" b="1" dirty="0" smtClean="0">
+                <a:latin typeface="+mj-ea"/>
+              </a:rPr>
+              <a:t>  </a:t>
+            </a:r>
+            <a:r>
+              <a:rPr lang="en-US" b="1" dirty="0" err="1" smtClean="0">
+                <a:latin typeface="+mj-ea"/>
+              </a:rPr>
+              <a:t>fú</a:t>
+            </a:r>
+            <a:r>
+              <a:rPr lang="en-US" b="1" dirty="0" smtClean="0">
+                <a:latin typeface="+mj-ea"/>
+              </a:rPr>
+              <a:t>   </a:t>
+            </a:r>
+            <a:r>
+              <a:rPr lang="en-US" b="1" dirty="0" err="1" smtClean="0">
+                <a:latin typeface="+mj-ea"/>
+              </a:rPr>
+              <a:t>chí</a:t>
+            </a:r>
+            <a:r>
+              <a:rPr lang="en-US" b="1" dirty="0" smtClean="0">
+                <a:latin typeface="+mj-ea"/>
+              </a:rPr>
+              <a:t>  </a:t>
+            </a:r>
+            <a:r>
+              <a:rPr lang="en-US" b="1" dirty="0" smtClean="0">
+                <a:latin typeface="+mj-ea"/>
+              </a:rPr>
+              <a:t>         </a:t>
+            </a:r>
+            <a:r>
+              <a:rPr lang="en-US" b="1" dirty="0" err="1" smtClean="0">
+                <a:latin typeface="+mj-ea"/>
+              </a:rPr>
+              <a:t>yǒng</a:t>
+            </a:r>
+            <a:r>
+              <a:rPr lang="en-US" b="1" dirty="0" smtClean="0">
+                <a:latin typeface="+mj-ea"/>
+              </a:rPr>
+              <a:t> </a:t>
+            </a:r>
+            <a:r>
+              <a:rPr lang="en-US" b="1" dirty="0" err="1" smtClean="0">
+                <a:latin typeface="+mj-ea"/>
+              </a:rPr>
+              <a:t>bào</a:t>
+            </a:r>
+            <a:endParaRPr lang="zh-TW" altLang="en-US" b="1" dirty="0"/>
+          </a:p>
+        </p:txBody>
+      </p:sp>
+      <p:sp>
+        <p:nvSpPr>
+          <p:cNvPr id="10" name="文字方塊 9"/>
+          <p:cNvSpPr txBox="1"/>
+          <p:nvPr/>
+        </p:nvSpPr>
+        <p:spPr>
+          <a:xfrm>
+            <a:off x="2357422" y="4929198"/>
+            <a:ext cx="1357322" cy="369332"/>
+          </a:xfrm>
+          <a:prstGeom prst="rect">
+            <a:avLst/>
+          </a:prstGeom>
+          <a:noFill/>
+        </p:spPr>
+        <p:txBody>
+          <a:bodyPr wrap="square" rtlCol="0">
+            <a:spAutoFit/>
+          </a:bodyPr>
+          <a:lstStyle/>
+          <a:p>
+            <a:r>
+              <a:rPr lang="en-US" b="1" dirty="0" err="1" smtClean="0">
+                <a:latin typeface="+mj-ea"/>
+              </a:rPr>
+              <a:t>zǒu</a:t>
+            </a:r>
+            <a:r>
+              <a:rPr lang="en-US" b="1" dirty="0" smtClean="0">
+                <a:latin typeface="+mj-ea"/>
+              </a:rPr>
+              <a:t>  </a:t>
+            </a:r>
+            <a:r>
+              <a:rPr lang="en-US" b="1" dirty="0" err="1" smtClean="0">
+                <a:latin typeface="+mj-ea"/>
+              </a:rPr>
+              <a:t>wǎng</a:t>
+            </a:r>
+            <a:endParaRPr lang="zh-TW" altLang="en-US" b="1" dirty="0"/>
+          </a:p>
+        </p:txBody>
+      </p:sp>
+      <p:sp>
+        <p:nvSpPr>
+          <p:cNvPr id="11" name="文字方塊 10"/>
+          <p:cNvSpPr txBox="1"/>
+          <p:nvPr/>
+        </p:nvSpPr>
+        <p:spPr>
+          <a:xfrm>
+            <a:off x="4429124" y="4929198"/>
+            <a:ext cx="1643074" cy="369332"/>
+          </a:xfrm>
+          <a:prstGeom prst="rect">
+            <a:avLst/>
+          </a:prstGeom>
+          <a:noFill/>
+        </p:spPr>
+        <p:txBody>
+          <a:bodyPr wrap="square" rtlCol="0">
+            <a:spAutoFit/>
+          </a:bodyPr>
+          <a:lstStyle/>
+          <a:p>
+            <a:r>
+              <a:rPr lang="en-US" b="1" dirty="0" err="1" smtClean="0">
+                <a:latin typeface="+mj-ea"/>
+              </a:rPr>
+              <a:t>fāng</a:t>
+            </a:r>
+            <a:r>
+              <a:rPr lang="en-US" b="1" dirty="0" smtClean="0">
+                <a:latin typeface="+mj-ea"/>
+              </a:rPr>
+              <a:t> </a:t>
+            </a:r>
+            <a:r>
+              <a:rPr lang="en-US" b="1" dirty="0" err="1" smtClean="0">
+                <a:latin typeface="+mj-ea"/>
+              </a:rPr>
+              <a:t>xiàng</a:t>
+            </a:r>
+            <a:endParaRPr lang="zh-TW" altLang="en-US" b="1" dirty="0">
+              <a:latin typeface="+mj-ea"/>
+            </a:endParaRPr>
           </a:p>
         </p:txBody>
       </p:sp>
@@ -5691,7 +6068,7 @@
         </p:blipFill>
         <p:spPr bwMode="auto">
           <a:xfrm>
-            <a:off x="1" y="1"/>
+            <a:off x="0" y="0"/>
             <a:ext cx="9144000" cy="6858000"/>
           </a:xfrm>
           <a:prstGeom prst="rect">
@@ -5708,8 +6085,8 @@
         </p:nvSpPr>
         <p:spPr>
           <a:xfrm>
-            <a:off x="2357422" y="2000240"/>
-            <a:ext cx="6500858" cy="3785652"/>
+            <a:off x="2857488" y="1714488"/>
+            <a:ext cx="5857916" cy="3785652"/>
           </a:xfrm>
           <a:prstGeom prst="rect">
             <a:avLst/>
@@ -5724,17 +6101,21 @@
           <a:p>
             <a:r>
               <a:rPr lang="zh-TW" altLang="en-US" sz="4000" b="1" dirty="0" smtClean="0"/>
-              <a:t>創造  彼此照亮  扶持擁抱</a:t>
+              <a:t> 堅強      獨自</a:t>
             </a:r>
             <a:endParaRPr lang="en-US" altLang="zh-TW" sz="4000" b="1" dirty="0" smtClean="0"/>
           </a:p>
           <a:p>
+            <a:r>
+              <a:rPr lang="zh-TW" altLang="en-US" sz="4000" b="1" dirty="0" smtClean="0"/>
+              <a:t>  </a:t>
+            </a:r>
             <a:endParaRPr lang="en-US" altLang="zh-TW" sz="4000" b="1" dirty="0" smtClean="0"/>
           </a:p>
           <a:p>
             <a:r>
               <a:rPr lang="zh-TW" altLang="en-US" sz="4000" b="1" dirty="0" smtClean="0"/>
-              <a:t>走往  方向</a:t>
+              <a:t>飛翔       原諒 </a:t>
             </a:r>
             <a:endParaRPr lang="en-US" altLang="zh-TW" sz="4000" b="1" dirty="0" smtClean="0"/>
           </a:p>
@@ -5748,12 +6129,289 @@
           <a:p>
             <a:r>
               <a:rPr lang="zh-TW" altLang="en-US" sz="4000" b="1" dirty="0" smtClean="0"/>
-              <a:t>堅強  獨自  飛翔  原諒  天堂</a:t>
+              <a:t>天堂</a:t>
             </a:r>
             <a:endParaRPr lang="en-US" altLang="zh-TW" sz="4000" b="1" dirty="0" smtClean="0"/>
           </a:p>
           <a:p>
             <a:endParaRPr lang="zh-TW" altLang="en-US" sz="4000" b="1" dirty="0"/>
+          </a:p>
+        </p:txBody>
+      </p:sp>
+      <p:sp>
+        <p:nvSpPr>
+          <p:cNvPr id="6" name="文字方塊 5"/>
+          <p:cNvSpPr txBox="1"/>
+          <p:nvPr/>
+        </p:nvSpPr>
+        <p:spPr>
+          <a:xfrm>
+            <a:off x="2928926" y="2428868"/>
+            <a:ext cx="1428760" cy="369332"/>
+          </a:xfrm>
+          <a:prstGeom prst="rect">
+            <a:avLst/>
+          </a:prstGeom>
+          <a:noFill/>
+        </p:spPr>
+        <p:txBody>
+          <a:bodyPr wrap="square" rtlCol="0">
+            <a:spAutoFit/>
+          </a:bodyPr>
+          <a:lstStyle/>
+          <a:p>
+            <a:r>
+              <a:rPr lang="en-US" b="1" dirty="0" smtClean="0">
+                <a:latin typeface="+mj-ea"/>
+                <a:ea typeface="+mj-ea"/>
+              </a:rPr>
+              <a:t>  </a:t>
+            </a:r>
+            <a:r>
+              <a:rPr lang="en-US" b="1" dirty="0" err="1" smtClean="0">
+                <a:latin typeface="+mj-ea"/>
+                <a:ea typeface="+mj-ea"/>
+              </a:rPr>
+              <a:t>jiān</a:t>
+            </a:r>
+            <a:r>
+              <a:rPr lang="en-US" b="1" dirty="0" smtClean="0">
+                <a:latin typeface="+mj-ea"/>
+                <a:ea typeface="+mj-ea"/>
+              </a:rPr>
+              <a:t> </a:t>
+            </a:r>
+            <a:r>
+              <a:rPr lang="en-US" b="1" dirty="0" err="1" smtClean="0">
+                <a:latin typeface="+mj-ea"/>
+                <a:ea typeface="+mj-ea"/>
+              </a:rPr>
+              <a:t>qiáng</a:t>
+            </a:r>
+            <a:endParaRPr lang="zh-TW" altLang="en-US" b="1" dirty="0">
+              <a:latin typeface="+mj-ea"/>
+              <a:ea typeface="+mj-ea"/>
+            </a:endParaRPr>
+          </a:p>
+        </p:txBody>
+      </p:sp>
+      <p:sp>
+        <p:nvSpPr>
+          <p:cNvPr id="7" name="文字方塊 6"/>
+          <p:cNvSpPr txBox="1"/>
+          <p:nvPr/>
+        </p:nvSpPr>
+        <p:spPr>
+          <a:xfrm>
+            <a:off x="4857752" y="2357430"/>
+            <a:ext cx="1285884" cy="369332"/>
+          </a:xfrm>
+          <a:prstGeom prst="rect">
+            <a:avLst/>
+          </a:prstGeom>
+          <a:noFill/>
+        </p:spPr>
+        <p:txBody>
+          <a:bodyPr wrap="square" rtlCol="0">
+            <a:spAutoFit/>
+          </a:bodyPr>
+          <a:lstStyle/>
+          <a:p>
+            <a:r>
+              <a:rPr lang="en-US" b="1" dirty="0" smtClean="0">
+                <a:latin typeface="+mj-ea"/>
+                <a:ea typeface="+mj-ea"/>
+              </a:rPr>
+              <a:t>   </a:t>
+            </a:r>
+            <a:r>
+              <a:rPr lang="en-US" b="1" dirty="0" err="1" smtClean="0">
+                <a:latin typeface="+mj-ea"/>
+                <a:ea typeface="+mj-ea"/>
+              </a:rPr>
+              <a:t>dú</a:t>
+            </a:r>
+            <a:r>
+              <a:rPr lang="en-US" b="1" dirty="0" smtClean="0">
+                <a:latin typeface="+mj-ea"/>
+                <a:ea typeface="+mj-ea"/>
+              </a:rPr>
+              <a:t>    </a:t>
+            </a:r>
+            <a:r>
+              <a:rPr lang="en-US" b="1" dirty="0" err="1" smtClean="0">
+                <a:latin typeface="+mj-ea"/>
+                <a:ea typeface="+mj-ea"/>
+              </a:rPr>
+              <a:t>zì</a:t>
+            </a:r>
+            <a:endParaRPr lang="zh-TW" altLang="en-US" b="1" dirty="0">
+              <a:latin typeface="+mj-ea"/>
+              <a:ea typeface="+mj-ea"/>
+            </a:endParaRPr>
+          </a:p>
+        </p:txBody>
+      </p:sp>
+      <p:sp>
+        <p:nvSpPr>
+          <p:cNvPr id="9" name="文字方塊 8"/>
+          <p:cNvSpPr txBox="1"/>
+          <p:nvPr/>
+        </p:nvSpPr>
+        <p:spPr>
+          <a:xfrm>
+            <a:off x="2928926" y="3643314"/>
+            <a:ext cx="1285884" cy="369332"/>
+          </a:xfrm>
+          <a:prstGeom prst="rect">
+            <a:avLst/>
+          </a:prstGeom>
+          <a:noFill/>
+        </p:spPr>
+        <p:txBody>
+          <a:bodyPr wrap="square" rtlCol="0">
+            <a:spAutoFit/>
+          </a:bodyPr>
+          <a:lstStyle/>
+          <a:p>
+            <a:r>
+              <a:rPr lang="en-US" b="1" dirty="0" smtClean="0">
+                <a:latin typeface="+mj-ea"/>
+                <a:ea typeface="+mj-ea"/>
+              </a:rPr>
+              <a:t> </a:t>
+            </a:r>
+            <a:r>
+              <a:rPr lang="en-US" b="1" dirty="0" err="1" smtClean="0">
+                <a:latin typeface="+mj-ea"/>
+                <a:ea typeface="+mj-ea"/>
+              </a:rPr>
+              <a:t>fēi</a:t>
+            </a:r>
+            <a:r>
+              <a:rPr lang="en-US" b="1" dirty="0" smtClean="0">
+                <a:latin typeface="+mj-ea"/>
+                <a:ea typeface="+mj-ea"/>
+              </a:rPr>
+              <a:t>  </a:t>
+            </a:r>
+            <a:r>
+              <a:rPr lang="en-US" b="1" dirty="0" err="1" smtClean="0">
+                <a:latin typeface="+mj-ea"/>
+                <a:ea typeface="+mj-ea"/>
+              </a:rPr>
+              <a:t>xiáng</a:t>
+            </a:r>
+            <a:endParaRPr lang="zh-TW" altLang="en-US" b="1" dirty="0">
+              <a:latin typeface="+mj-ea"/>
+              <a:ea typeface="+mj-ea"/>
+            </a:endParaRPr>
+          </a:p>
+        </p:txBody>
+      </p:sp>
+      <p:sp>
+        <p:nvSpPr>
+          <p:cNvPr id="10" name="文字方塊 9"/>
+          <p:cNvSpPr txBox="1"/>
+          <p:nvPr/>
+        </p:nvSpPr>
+        <p:spPr>
+          <a:xfrm>
+            <a:off x="4857752" y="3643314"/>
+            <a:ext cx="1643074" cy="646331"/>
+          </a:xfrm>
+          <a:prstGeom prst="rect">
+            <a:avLst/>
+          </a:prstGeom>
+          <a:noFill/>
+        </p:spPr>
+        <p:txBody>
+          <a:bodyPr wrap="square" rtlCol="0">
+            <a:spAutoFit/>
+          </a:bodyPr>
+          <a:lstStyle/>
+          <a:p>
+            <a:r>
+              <a:rPr lang="en-US" b="1" dirty="0" err="1" smtClean="0">
+                <a:latin typeface="+mj-ea"/>
+                <a:ea typeface="+mj-ea"/>
+              </a:rPr>
+              <a:t>yuán</a:t>
+            </a:r>
+            <a:r>
+              <a:rPr lang="en-US" b="1" dirty="0" smtClean="0">
+                <a:latin typeface="+mj-ea"/>
+                <a:ea typeface="+mj-ea"/>
+              </a:rPr>
+              <a:t> </a:t>
+            </a:r>
+            <a:r>
+              <a:rPr lang="en-US" b="1" dirty="0" err="1" smtClean="0">
+                <a:latin typeface="+mj-ea"/>
+                <a:ea typeface="+mj-ea"/>
+              </a:rPr>
+              <a:t>liàng</a:t>
+            </a:r>
+            <a:endParaRPr lang="zh-TW" altLang="en-US" b="1" dirty="0" smtClean="0">
+              <a:latin typeface="+mj-ea"/>
+              <a:ea typeface="+mj-ea"/>
+            </a:endParaRPr>
+          </a:p>
+          <a:p>
+            <a:endParaRPr lang="zh-TW" altLang="en-US" b="1" dirty="0">
+              <a:latin typeface="+mj-ea"/>
+              <a:ea typeface="+mj-ea"/>
+            </a:endParaRPr>
+          </a:p>
+        </p:txBody>
+      </p:sp>
+      <p:sp>
+        <p:nvSpPr>
+          <p:cNvPr id="11" name="文字方塊 10"/>
+          <p:cNvSpPr txBox="1"/>
+          <p:nvPr/>
+        </p:nvSpPr>
+        <p:spPr>
+          <a:xfrm>
+            <a:off x="2857488" y="4786322"/>
+            <a:ext cx="1285884" cy="369332"/>
+          </a:xfrm>
+          <a:prstGeom prst="rect">
+            <a:avLst/>
+          </a:prstGeom>
+          <a:noFill/>
+        </p:spPr>
+        <p:txBody>
+          <a:bodyPr wrap="square" rtlCol="0">
+            <a:spAutoFit/>
+          </a:bodyPr>
+          <a:lstStyle/>
+          <a:p>
+            <a:r>
+              <a:rPr lang="en-US" b="1" dirty="0" smtClean="0">
+                <a:latin typeface="+mj-ea"/>
+              </a:rPr>
+              <a:t> </a:t>
+            </a:r>
+            <a:r>
+              <a:rPr lang="en-US" b="1" dirty="0" err="1" smtClean="0">
+                <a:latin typeface="+mj-ea"/>
+              </a:rPr>
+              <a:t>tiān</a:t>
+            </a:r>
+            <a:r>
+              <a:rPr lang="en-US" b="1" dirty="0" smtClean="0">
+                <a:latin typeface="+mj-ea"/>
+              </a:rPr>
+              <a:t>  </a:t>
+            </a:r>
+            <a:r>
+              <a:rPr lang="en-US" b="1" dirty="0" err="1" smtClean="0">
+                <a:latin typeface="+mj-ea"/>
+              </a:rPr>
+              <a:t>táng</a:t>
+            </a:r>
+            <a:endParaRPr lang="zh-TW" altLang="en-US" b="1" dirty="0"/>
           </a:p>
         </p:txBody>
       </p:sp>
@@ -5994,14 +6652,7 @@
                 <a:latin typeface="+mj-ea"/>
                 <a:ea typeface="+mj-ea"/>
               </a:rPr>
-              <a:t> </a:t>
-            </a:r>
-            <a:r>
-              <a:rPr lang="en-US" dirty="0" smtClean="0">
-                <a:latin typeface="+mj-ea"/>
-                <a:ea typeface="+mj-ea"/>
-              </a:rPr>
-              <a:t>   </a:t>
+              <a:t>    </a:t>
             </a:r>
             <a:r>
               <a:rPr lang="en-US" dirty="0" err="1" smtClean="0">
@@ -6640,7 +7291,41 @@
                 <a:latin typeface="+mj-ea"/>
                 <a:ea typeface="+mj-ea"/>
               </a:rPr>
-              <a:t>   men   de    </a:t>
+              <a:t>   </a:t>
+            </a:r>
+            <a:r>
+              <a:rPr lang="en-US" dirty="0" err="1" smtClean="0">
+                <a:latin typeface="+mj-ea"/>
+                <a:ea typeface="+mj-ea"/>
+              </a:rPr>
+              <a:t>m</a:t>
+            </a:r>
+            <a:r>
+              <a:rPr lang="en-US" dirty="0" err="1" smtClean="0">
+                <a:latin typeface="+mj-ea"/>
+              </a:rPr>
+              <a:t>é</a:t>
+            </a:r>
+            <a:r>
+              <a:rPr lang="en-US" dirty="0" err="1" smtClean="0">
+                <a:latin typeface="+mj-ea"/>
+                <a:ea typeface="+mj-ea"/>
+              </a:rPr>
+              <a:t>n</a:t>
+            </a:r>
+            <a:r>
+              <a:rPr lang="en-US" dirty="0" smtClean="0">
+                <a:latin typeface="+mj-ea"/>
+                <a:ea typeface="+mj-ea"/>
+              </a:rPr>
+              <a:t>   </a:t>
+            </a:r>
+            <a:r>
+              <a:rPr lang="en-US" dirty="0" smtClean="0">
+                <a:latin typeface="+mj-ea"/>
+                <a:ea typeface="+mj-ea"/>
+              </a:rPr>
+              <a:t>de    </a:t>
             </a:r>
             <a:r>
               <a:rPr lang="en-US" dirty="0" err="1" smtClean="0">
@@ -6654,7 +7339,14 @@
                 <a:latin typeface="+mj-ea"/>
                 <a:ea typeface="+mj-ea"/>
               </a:rPr>
-              <a:t> </a:t>
+              <a:t>   </a:t>
+            </a:r>
+            <a:r>
+              <a:rPr lang="en-US" dirty="0" err="1" smtClean="0">
+                <a:latin typeface="+mj-ea"/>
+                <a:ea typeface="+mj-ea"/>
+              </a:rPr>
+              <a:t>ràng</a:t>
             </a:r>
             <a:r>
               <a:rPr lang="en-US" dirty="0" smtClean="0">
@@ -6668,21 +7360,21 @@
                 <a:latin typeface="+mj-ea"/>
                 <a:ea typeface="+mj-ea"/>
               </a:rPr>
-              <a:t>ràng</a:t>
+              <a:t>shì</a:t>
             </a:r>
             <a:r>
               <a:rPr lang="en-US" dirty="0" smtClean="0">
                 <a:latin typeface="+mj-ea"/>
                 <a:ea typeface="+mj-ea"/>
               </a:rPr>
-              <a:t>  </a:t>
-            </a:r>
-            <a:r>
-              <a:rPr lang="en-US" dirty="0" err="1" smtClean="0">
-                <a:latin typeface="+mj-ea"/>
-                <a:ea typeface="+mj-ea"/>
-              </a:rPr>
-              <a:t>shì</a:t>
+              <a:t>    </a:t>
+            </a:r>
+            <a:r>
+              <a:rPr lang="en-US" dirty="0" err="1" smtClean="0">
+                <a:latin typeface="+mj-ea"/>
+                <a:ea typeface="+mj-ea"/>
+              </a:rPr>
+              <a:t>jiè</a:t>
             </a:r>
             <a:r>
               <a:rPr lang="en-US" dirty="0" smtClean="0">
@@ -6696,35 +7388,14 @@
                 <a:latin typeface="+mj-ea"/>
                 <a:ea typeface="+mj-ea"/>
               </a:rPr>
-              <a:t>jiè</a:t>
+              <a:t>bù</a:t>
             </a:r>
             <a:r>
               <a:rPr lang="en-US" dirty="0" smtClean="0">
                 <a:latin typeface="+mj-ea"/>
                 <a:ea typeface="+mj-ea"/>
               </a:rPr>
-              <a:t>    </a:t>
-            </a:r>
-            <a:r>
-              <a:rPr lang="en-US" dirty="0" err="1" smtClean="0">
-                <a:latin typeface="+mj-ea"/>
-                <a:ea typeface="+mj-ea"/>
-              </a:rPr>
-              <a:t>bù</a:t>
-            </a:r>
-            <a:r>
-              <a:rPr lang="en-US" dirty="0" smtClean="0">
-                <a:latin typeface="+mj-ea"/>
-                <a:ea typeface="+mj-ea"/>
-              </a:rPr>
-              <a:t> </a:t>
-            </a:r>
-            <a:r>
-              <a:rPr lang="en-US" dirty="0" smtClean="0">
-                <a:latin typeface="+mj-ea"/>
-                <a:ea typeface="+mj-ea"/>
-              </a:rPr>
-              <a:t>    </a:t>
+              <a:t>     </a:t>
             </a:r>
             <a:r>
               <a:rPr lang="en-US" dirty="0" err="1" smtClean="0">
@@ -6988,7 +7659,34 @@
                 <a:latin typeface="+mj-ea"/>
                 <a:ea typeface="+mj-ea"/>
               </a:rPr>
-              <a:t>  men  </a:t>
+              <a:t>  </a:t>
+            </a:r>
+            <a:r>
+              <a:rPr lang="en-US" dirty="0" err="1" smtClean="0">
+                <a:latin typeface="+mj-ea"/>
+                <a:ea typeface="+mj-ea"/>
+              </a:rPr>
+              <a:t>m</a:t>
+            </a:r>
+            <a:r>
+              <a:rPr lang="en-US" dirty="0" err="1" smtClean="0">
+                <a:latin typeface="+mj-ea"/>
+              </a:rPr>
+              <a:t>é</a:t>
+            </a:r>
+            <a:r>
+              <a:rPr lang="en-US" dirty="0" err="1" smtClean="0">
+                <a:latin typeface="+mj-ea"/>
+                <a:ea typeface="+mj-ea"/>
+              </a:rPr>
+              <a:t>n</a:t>
+            </a:r>
+            <a:r>
+              <a:rPr lang="en-US" dirty="0" smtClean="0">
+                <a:latin typeface="+mj-ea"/>
+                <a:ea typeface="+mj-ea"/>
+              </a:rPr>
+              <a:t>  </a:t>
             </a:r>
             <a:r>
               <a:rPr lang="en-US" dirty="0" err="1" smtClean="0">
@@ -7002,21 +7700,42 @@
                 <a:latin typeface="+mj-ea"/>
                 <a:ea typeface="+mj-ea"/>
               </a:rPr>
+              <a:t>           </a:t>
+            </a:r>
+            <a:r>
+              <a:rPr lang="en-US" dirty="0" err="1" smtClean="0">
+                <a:latin typeface="+mj-ea"/>
+                <a:ea typeface="+mj-ea"/>
+              </a:rPr>
+              <a:t>yīn</a:t>
+            </a:r>
+            <a:r>
+              <a:rPr lang="en-US" dirty="0" smtClean="0">
+                <a:latin typeface="+mj-ea"/>
+                <a:ea typeface="+mj-ea"/>
+              </a:rPr>
               <a:t> </a:t>
             </a:r>
             <a:r>
+              <a:rPr lang="en-US" dirty="0" err="1" smtClean="0">
+                <a:latin typeface="+mj-ea"/>
+                <a:ea typeface="+mj-ea"/>
+              </a:rPr>
+              <a:t>shén</a:t>
+            </a:r>
+            <a:r>
               <a:rPr lang="en-US" dirty="0" smtClean="0">
                 <a:latin typeface="+mj-ea"/>
                 <a:ea typeface="+mj-ea"/>
               </a:rPr>
-              <a:t>          </a:t>
-            </a:r>
-            <a:r>
-              <a:rPr lang="en-US" dirty="0" err="1" smtClean="0">
-                <a:latin typeface="+mj-ea"/>
-                <a:ea typeface="+mj-ea"/>
-              </a:rPr>
-              <a:t>yīn</a:t>
+              <a:t> </a:t>
+            </a:r>
+            <a:r>
+              <a:rPr lang="en-US" dirty="0" err="1" smtClean="0">
+                <a:latin typeface="+mj-ea"/>
+                <a:ea typeface="+mj-ea"/>
+              </a:rPr>
+              <a:t>xiān</a:t>
             </a:r>
             <a:r>
               <a:rPr lang="en-US" dirty="0" smtClean="0">
@@ -7030,63 +7749,48 @@
                 <a:latin typeface="+mj-ea"/>
                 <a:ea typeface="+mj-ea"/>
               </a:rPr>
-              <a:t>shén</a:t>
+              <a:t>ài</a:t>
             </a:r>
             <a:r>
               <a:rPr lang="en-US" dirty="0" smtClean="0">
                 <a:latin typeface="+mj-ea"/>
                 <a:ea typeface="+mj-ea"/>
               </a:rPr>
-              <a:t> </a:t>
-            </a:r>
-            <a:r>
-              <a:rPr lang="en-US" dirty="0" err="1" smtClean="0">
-                <a:latin typeface="+mj-ea"/>
-                <a:ea typeface="+mj-ea"/>
-              </a:rPr>
-              <a:t>xiān</a:t>
+              <a:t>    </a:t>
+            </a:r>
+            <a:r>
+              <a:rPr lang="en-US" dirty="0" err="1" smtClean="0">
+                <a:latin typeface="+mj-ea"/>
+                <a:ea typeface="+mj-ea"/>
+              </a:rPr>
+              <a:t>wǒ</a:t>
             </a:r>
             <a:r>
               <a:rPr lang="en-US" dirty="0" smtClean="0">
                 <a:latin typeface="+mj-ea"/>
                 <a:ea typeface="+mj-ea"/>
               </a:rPr>
-              <a:t> </a:t>
-            </a:r>
-            <a:r>
-              <a:rPr lang="en-US" dirty="0" err="1" smtClean="0">
-                <a:latin typeface="+mj-ea"/>
-                <a:ea typeface="+mj-ea"/>
-              </a:rPr>
-              <a:t>ài</a:t>
-            </a:r>
-            <a:r>
-              <a:rPr lang="en-US" dirty="0" smtClean="0">
-                <a:latin typeface="+mj-ea"/>
-                <a:ea typeface="+mj-ea"/>
-              </a:rPr>
-              <a:t> </a:t>
-            </a:r>
-            <a:r>
-              <a:rPr lang="en-US" dirty="0" smtClean="0">
-                <a:latin typeface="+mj-ea"/>
-                <a:ea typeface="+mj-ea"/>
-              </a:rPr>
-              <a:t>   </a:t>
-            </a:r>
-            <a:r>
-              <a:rPr lang="en-US" dirty="0" err="1" smtClean="0">
-                <a:latin typeface="+mj-ea"/>
-                <a:ea typeface="+mj-ea"/>
-              </a:rPr>
-              <a:t>wǒ</a:t>
-            </a:r>
-            <a:r>
-              <a:rPr lang="en-US" dirty="0" smtClean="0">
-                <a:latin typeface="+mj-ea"/>
-                <a:ea typeface="+mj-ea"/>
-              </a:rPr>
-              <a:t>  men</a:t>
+              <a:t>  </a:t>
+            </a:r>
+            <a:r>
+              <a:rPr lang="en-US" dirty="0" err="1" smtClean="0">
+                <a:latin typeface="+mj-ea"/>
+                <a:ea typeface="+mj-ea"/>
+              </a:rPr>
+              <a:t>m</a:t>
+            </a:r>
+            <a:r>
+              <a:rPr lang="en-US" dirty="0" err="1" smtClean="0">
+                <a:latin typeface="+mj-ea"/>
+              </a:rPr>
+              <a:t>é</a:t>
+            </a:r>
+            <a:r>
+              <a:rPr lang="en-US" dirty="0" err="1" smtClean="0">
+                <a:latin typeface="+mj-ea"/>
+                <a:ea typeface="+mj-ea"/>
+              </a:rPr>
+              <a:t>n</a:t>
             </a:r>
             <a:endParaRPr lang="zh-TW" altLang="en-US" dirty="0">
               <a:latin typeface="+mj-ea"/>
@@ -7249,7 +7953,34 @@
                 <a:latin typeface="+mj-ea"/>
                 <a:ea typeface="+mj-ea"/>
               </a:rPr>
-              <a:t>  men  </a:t>
+              <a:t>  </a:t>
+            </a:r>
+            <a:r>
+              <a:rPr lang="en-US" dirty="0" err="1" smtClean="0">
+                <a:latin typeface="+mj-ea"/>
+                <a:ea typeface="+mj-ea"/>
+              </a:rPr>
+              <a:t>m</a:t>
+            </a:r>
+            <a:r>
+              <a:rPr lang="en-US" dirty="0" err="1" smtClean="0">
+                <a:latin typeface="+mj-ea"/>
+              </a:rPr>
+              <a:t>é</a:t>
+            </a:r>
+            <a:r>
+              <a:rPr lang="en-US" dirty="0" err="1" smtClean="0">
+                <a:latin typeface="+mj-ea"/>
+                <a:ea typeface="+mj-ea"/>
+              </a:rPr>
+              <a:t>n</a:t>
+            </a:r>
+            <a:r>
+              <a:rPr lang="en-US" dirty="0" smtClean="0">
+                <a:latin typeface="+mj-ea"/>
+                <a:ea typeface="+mj-ea"/>
+              </a:rPr>
+              <a:t>  </a:t>
             </a:r>
             <a:r>
               <a:rPr lang="en-US" dirty="0" err="1" smtClean="0">
@@ -7376,21 +8107,7 @@
                 <a:latin typeface="+mj-ea"/>
                 <a:ea typeface="+mj-ea"/>
               </a:rPr>
-              <a:t>   </a:t>
-            </a:r>
-            <a:r>
-              <a:rPr lang="en-US" dirty="0" smtClean="0">
-                <a:latin typeface="+mj-ea"/>
-                <a:ea typeface="+mj-ea"/>
-              </a:rPr>
-              <a:t>de </a:t>
-            </a:r>
-            <a:r>
-              <a:rPr lang="en-US" dirty="0" smtClean="0">
-                <a:latin typeface="+mj-ea"/>
-                <a:ea typeface="+mj-ea"/>
-              </a:rPr>
-              <a:t> </a:t>
+              <a:t>   de  </a:t>
             </a:r>
             <a:r>
               <a:rPr lang="en-US" dirty="0" err="1" smtClean="0">
@@ -7649,7 +8366,34 @@
                 <a:latin typeface="+mj-ea"/>
                 <a:ea typeface="+mj-ea"/>
               </a:rPr>
-              <a:t>  men </a:t>
+              <a:t>  </a:t>
+            </a:r>
+            <a:r>
+              <a:rPr lang="en-US" dirty="0" err="1" smtClean="0">
+                <a:latin typeface="+mj-ea"/>
+                <a:ea typeface="+mj-ea"/>
+              </a:rPr>
+              <a:t>m</a:t>
+            </a:r>
+            <a:r>
+              <a:rPr lang="en-US" dirty="0" err="1" smtClean="0">
+                <a:latin typeface="+mj-ea"/>
+              </a:rPr>
+              <a:t>é</a:t>
+            </a:r>
+            <a:r>
+              <a:rPr lang="en-US" dirty="0" err="1" smtClean="0">
+                <a:latin typeface="+mj-ea"/>
+                <a:ea typeface="+mj-ea"/>
+              </a:rPr>
+              <a:t>n</a:t>
+            </a:r>
+            <a:r>
+              <a:rPr lang="en-US" dirty="0" smtClean="0">
+                <a:latin typeface="+mj-ea"/>
+                <a:ea typeface="+mj-ea"/>
+              </a:rPr>
+              <a:t> </a:t>
             </a:r>
             <a:r>
               <a:rPr lang="en-US" dirty="0" err="1" smtClean="0">
@@ -7663,27 +8407,76 @@
                 <a:latin typeface="+mj-ea"/>
                 <a:ea typeface="+mj-ea"/>
               </a:rPr>
+              <a:t>           </a:t>
+            </a:r>
+            <a:r>
+              <a:rPr lang="en-US" dirty="0" err="1" smtClean="0">
+                <a:latin typeface="+mj-ea"/>
+                <a:ea typeface="+mj-ea"/>
+              </a:rPr>
+              <a:t>yīn</a:t>
+            </a:r>
+            <a:r>
+              <a:rPr lang="en-US" dirty="0" smtClean="0">
+                <a:latin typeface="+mj-ea"/>
+                <a:ea typeface="+mj-ea"/>
+              </a:rPr>
+              <a:t>  </a:t>
+            </a:r>
+            <a:r>
+              <a:rPr lang="en-US" dirty="0" err="1" smtClean="0">
+                <a:latin typeface="+mj-ea"/>
+                <a:ea typeface="+mj-ea"/>
+              </a:rPr>
+              <a:t>shén</a:t>
+            </a:r>
+            <a:r>
+              <a:rPr lang="en-US" dirty="0" smtClean="0">
+                <a:latin typeface="+mj-ea"/>
+                <a:ea typeface="+mj-ea"/>
+              </a:rPr>
               <a:t> </a:t>
             </a:r>
             <a:r>
+              <a:rPr lang="en-US" dirty="0" err="1" smtClean="0">
+                <a:latin typeface="+mj-ea"/>
+                <a:ea typeface="+mj-ea"/>
+              </a:rPr>
+              <a:t>xiān</a:t>
+            </a:r>
+            <a:r>
               <a:rPr lang="en-US" dirty="0" smtClean="0">
                 <a:latin typeface="+mj-ea"/>
                 <a:ea typeface="+mj-ea"/>
               </a:rPr>
-              <a:t>          </a:t>
-            </a:r>
-            <a:r>
-              <a:rPr lang="en-US" dirty="0" err="1" smtClean="0">
-                <a:latin typeface="+mj-ea"/>
-                <a:ea typeface="+mj-ea"/>
-              </a:rPr>
-              <a:t>yīn</a:t>
+              <a:t> </a:t>
+            </a:r>
+            <a:r>
+              <a:rPr lang="en-US" dirty="0" err="1" smtClean="0">
+                <a:latin typeface="+mj-ea"/>
+                <a:ea typeface="+mj-ea"/>
+              </a:rPr>
+              <a:t>ài</a:t>
             </a:r>
             <a:r>
               <a:rPr lang="en-US" dirty="0" smtClean="0">
                 <a:latin typeface="+mj-ea"/>
                 <a:ea typeface="+mj-ea"/>
               </a:rPr>
+              <a:t>   </a:t>
+            </a:r>
+            <a:r>
+              <a:rPr lang="en-US" dirty="0" err="1" smtClean="0">
+                <a:latin typeface="+mj-ea"/>
+                <a:ea typeface="+mj-ea"/>
+              </a:rPr>
+              <a:t>wǒ</a:t>
+            </a:r>
+            <a:r>
+              <a:rPr lang="en-US" dirty="0" smtClean="0">
+                <a:latin typeface="+mj-ea"/>
+                <a:ea typeface="+mj-ea"/>
+              </a:rPr>
               <a:t>  </a:t>
             </a:r>
             <a:r>
@@ -7691,63 +8484,20 @@
                 <a:latin typeface="+mj-ea"/>
                 <a:ea typeface="+mj-ea"/>
               </a:rPr>
-              <a:t>shén</a:t>
-            </a:r>
-            <a:r>
-              <a:rPr lang="en-US" dirty="0" smtClean="0">
-                <a:latin typeface="+mj-ea"/>
-                <a:ea typeface="+mj-ea"/>
-              </a:rPr>
-              <a:t> </a:t>
-            </a:r>
-            <a:r>
-              <a:rPr lang="en-US" dirty="0" err="1" smtClean="0">
-                <a:latin typeface="+mj-ea"/>
-                <a:ea typeface="+mj-ea"/>
-              </a:rPr>
-              <a:t>xiān</a:t>
-            </a:r>
-            <a:r>
-              <a:rPr lang="en-US" dirty="0" smtClean="0">
-                <a:latin typeface="+mj-ea"/>
-                <a:ea typeface="+mj-ea"/>
-              </a:rPr>
-              <a:t> </a:t>
-            </a:r>
-            <a:r>
-              <a:rPr lang="en-US" dirty="0" err="1" smtClean="0">
-                <a:latin typeface="+mj-ea"/>
-                <a:ea typeface="+mj-ea"/>
-              </a:rPr>
-              <a:t>ài</a:t>
-            </a:r>
-            <a:r>
-              <a:rPr lang="en-US" dirty="0" smtClean="0">
-                <a:latin typeface="+mj-ea"/>
-                <a:ea typeface="+mj-ea"/>
-              </a:rPr>
-              <a:t> </a:t>
-            </a:r>
-            <a:r>
-              <a:rPr lang="en-US" dirty="0" smtClean="0">
-                <a:latin typeface="+mj-ea"/>
-                <a:ea typeface="+mj-ea"/>
-              </a:rPr>
-              <a:t>  </a:t>
-            </a:r>
-            <a:r>
-              <a:rPr lang="en-US" dirty="0" err="1" smtClean="0">
-                <a:latin typeface="+mj-ea"/>
-                <a:ea typeface="+mj-ea"/>
-              </a:rPr>
-              <a:t>wǒ</a:t>
-            </a:r>
-            <a:r>
-              <a:rPr lang="en-US" dirty="0" smtClean="0">
-                <a:latin typeface="+mj-ea"/>
-                <a:ea typeface="+mj-ea"/>
-              </a:rPr>
-              <a:t>  men</a:t>
+              <a:t>m</a:t>
+            </a:r>
+            <a:r>
+              <a:rPr lang="en-US" dirty="0" err="1" smtClean="0">
+                <a:latin typeface="+mj-ea"/>
+              </a:rPr>
+              <a:t>é</a:t>
+            </a:r>
+            <a:r>
+              <a:rPr lang="en-US" dirty="0" err="1" smtClean="0">
+                <a:latin typeface="+mj-ea"/>
+                <a:ea typeface="+mj-ea"/>
+              </a:rPr>
+              <a:t>n</a:t>
             </a:r>
             <a:endParaRPr lang="zh-TW" altLang="en-US" dirty="0">
               <a:latin typeface="+mj-ea"/>
@@ -7784,47 +8534,39 @@
             </a:r>
             <a:r>
               <a:rPr lang="en-US" dirty="0" smtClean="0"/>
+              <a:t>   </a:t>
+            </a:r>
+            <a:r>
+              <a:rPr lang="en-US" dirty="0" err="1" smtClean="0"/>
+              <a:t>zài</a:t>
+            </a:r>
+            <a:r>
+              <a:rPr lang="en-US" dirty="0" smtClean="0"/>
               <a:t> </a:t>
+            </a:r>
+            <a:r>
+              <a:rPr lang="en-US" dirty="0" err="1" smtClean="0"/>
+              <a:t>jiān</a:t>
+            </a:r>
+            <a:r>
+              <a:rPr lang="en-US" dirty="0" smtClean="0"/>
+              <a:t> </a:t>
+            </a:r>
+            <a:r>
+              <a:rPr lang="en-US" dirty="0" err="1" smtClean="0"/>
+              <a:t>qiáng</a:t>
+            </a:r>
+            <a:r>
+              <a:rPr lang="en-US" dirty="0" smtClean="0"/>
+              <a:t> </a:t>
+            </a:r>
+            <a:r>
+              <a:rPr lang="en-US" dirty="0" err="1" smtClean="0"/>
+              <a:t>yě</a:t>
             </a:r>
             <a:r>
               <a:rPr lang="en-US" dirty="0" smtClean="0"/>
               <a:t>  </a:t>
-            </a:r>
-            <a:r>
-              <a:rPr lang="en-US" dirty="0" err="1" smtClean="0"/>
-              <a:t>zài</a:t>
-            </a:r>
-            <a:r>
-              <a:rPr lang="en-US" dirty="0" smtClean="0"/>
-              <a:t> </a:t>
-            </a:r>
-            <a:r>
-              <a:rPr lang="en-US" dirty="0" err="1" smtClean="0"/>
-              <a:t>jiān</a:t>
-            </a:r>
-            <a:r>
-              <a:rPr lang="en-US" dirty="0" smtClean="0"/>
-              <a:t> </a:t>
-            </a:r>
-            <a:r>
-              <a:rPr lang="en-US" dirty="0" err="1" smtClean="0"/>
-              <a:t>qiáng</a:t>
-            </a:r>
-            <a:r>
-              <a:rPr lang="en-US" dirty="0" smtClean="0"/>
-              <a:t> </a:t>
-            </a:r>
-            <a:r>
-              <a:rPr lang="en-US" dirty="0" err="1" smtClean="0"/>
-              <a:t>yě</a:t>
-            </a:r>
-            <a:r>
-              <a:rPr lang="en-US" dirty="0" smtClean="0"/>
-              <a:t> </a:t>
-            </a:r>
-            <a:r>
-              <a:rPr lang="en-US" dirty="0" smtClean="0"/>
-              <a:t> </a:t>
             </a:r>
             <a:r>
               <a:rPr lang="en-US" dirty="0" err="1" smtClean="0"/>
@@ -8077,14 +8819,7 @@
                 <a:latin typeface="+mj-ea"/>
                 <a:ea typeface="+mj-ea"/>
               </a:rPr>
-              <a:t> </a:t>
-            </a:r>
-            <a:r>
-              <a:rPr lang="en-US" dirty="0" smtClean="0">
-                <a:latin typeface="+mj-ea"/>
-                <a:ea typeface="+mj-ea"/>
-              </a:rPr>
-              <a:t>    </a:t>
+              <a:t>     </a:t>
             </a:r>
             <a:r>
               <a:rPr lang="en-US" dirty="0" err="1" smtClean="0">
